--- a/Study/Cloud Services.pptx
+++ b/Study/Cloud Services.pptx
@@ -108,6 +108,11 @@
       </a:defRPr>
     </a:lvl9pPr>
   </p:defaultTextStyle>
+  <p:extLst>
+    <p:ext uri="{EFAFB233-063F-42B5-8137-9DF3F51BA10A}">
+      <p15:sldGuideLst xmlns:p15="http://schemas.microsoft.com/office/powerpoint/2012/main"/>
+    </p:ext>
+  </p:extLst>
 </p:presentation>
 </file>
 
@@ -12428,7 +12433,7 @@
         </p:nvSpPr>
         <p:spPr>
           <a:xfrm>
-            <a:off x="3027924" y="991261"/>
+            <a:off x="2938547" y="394626"/>
             <a:ext cx="5754696" cy="1837349"/>
           </a:xfrm>
         </p:spPr>
@@ -12440,7 +12445,7 @@
           <a:p>
             <a:pPr algn="ctr"/>
             <a:r>
-              <a:rPr lang="en-US" sz="3600">
+              <a:rPr lang="en-US" sz="3600" dirty="0">
                 <a:solidFill>
                   <a:schemeClr val="tx2"/>
                 </a:solidFill>
@@ -12468,18 +12473,18 @@
         </p:nvSpPr>
         <p:spPr>
           <a:xfrm>
-            <a:off x="3050412" y="2979336"/>
-            <a:ext cx="5709721" cy="2430864"/>
+            <a:off x="1216908" y="1931929"/>
+            <a:ext cx="9295254" cy="4241990"/>
           </a:xfrm>
         </p:spPr>
         <p:txBody>
           <a:bodyPr anchor="t">
-            <a:normAutofit/>
+            <a:noAutofit/>
           </a:bodyPr>
           <a:lstStyle/>
           <a:p>
             <a:r>
-              <a:rPr lang="en-US" sz="1100">
+              <a:rPr lang="en-US" sz="2400" dirty="0">
                 <a:solidFill>
                   <a:schemeClr val="tx2"/>
                 </a:solidFill>
@@ -12491,7 +12496,7 @@
           </a:p>
           <a:p>
             <a:r>
-              <a:rPr lang="en-US" sz="1100">
+              <a:rPr lang="en-US" sz="2400" dirty="0">
                 <a:solidFill>
                   <a:schemeClr val="tx2"/>
                 </a:solidFill>
@@ -12503,7 +12508,7 @@
           </a:p>
           <a:p>
             <a:r>
-              <a:rPr lang="en-US" sz="1100">
+              <a:rPr lang="en-US" sz="2400" dirty="0">
                 <a:solidFill>
                   <a:schemeClr val="tx2"/>
                 </a:solidFill>
@@ -12515,7 +12520,7 @@
           </a:p>
           <a:p>
             <a:r>
-              <a:rPr lang="en-US" sz="1100">
+              <a:rPr lang="en-US" sz="2400" dirty="0">
                 <a:solidFill>
                   <a:schemeClr val="tx2"/>
                 </a:solidFill>
@@ -12528,33 +12533,33 @@
           <a:p>
             <a:pPr lvl="1"/>
             <a:r>
-              <a:rPr lang="en-US" sz="1100">
+              <a:rPr lang="en-US" dirty="0">
                 <a:solidFill>
                   <a:schemeClr val="tx2"/>
                 </a:solidFill>
                 <a:latin typeface="Times New Roman" panose="02020603050405020304" pitchFamily="18" charset="0"/>
                 <a:cs typeface="Times New Roman" panose="02020603050405020304" pitchFamily="18" charset="0"/>
               </a:rPr>
-              <a:t>MS Azure</a:t>
+              <a:t>MS Azure </a:t>
             </a:r>
           </a:p>
           <a:p>
             <a:pPr lvl="1"/>
             <a:r>
-              <a:rPr lang="en-US" sz="1100">
+              <a:rPr lang="en-US" dirty="0">
                 <a:solidFill>
                   <a:schemeClr val="tx2"/>
                 </a:solidFill>
                 <a:latin typeface="Times New Roman" panose="02020603050405020304" pitchFamily="18" charset="0"/>
                 <a:cs typeface="Times New Roman" panose="02020603050405020304" pitchFamily="18" charset="0"/>
               </a:rPr>
-              <a:t>Google</a:t>
+              <a:t>Google Cloud Platform: data encryption infrastructure for </a:t>
             </a:r>
           </a:p>
           <a:p>
             <a:pPr lvl="1"/>
             <a:r>
-              <a:rPr lang="en-US" sz="1100">
+              <a:rPr lang="en-US" dirty="0">
                 <a:solidFill>
                   <a:schemeClr val="tx2"/>
                 </a:solidFill>
@@ -12563,28 +12568,6 @@
               </a:rPr>
               <a:t>Digital Ocean</a:t>
             </a:r>
-          </a:p>
-          <a:p>
-            <a:pPr lvl="1"/>
-            <a:r>
-              <a:rPr lang="en-US" sz="1100">
-                <a:solidFill>
-                  <a:schemeClr val="tx2"/>
-                </a:solidFill>
-                <a:latin typeface="Times New Roman" panose="02020603050405020304" pitchFamily="18" charset="0"/>
-                <a:cs typeface="Times New Roman" panose="02020603050405020304" pitchFamily="18" charset="0"/>
-              </a:rPr>
-              <a:t>Linux</a:t>
-            </a:r>
-          </a:p>
-          <a:p>
-            <a:endParaRPr lang="en-US" sz="1100">
-              <a:solidFill>
-                <a:schemeClr val="tx2"/>
-              </a:solidFill>
-              <a:latin typeface="Times New Roman" panose="02020603050405020304" pitchFamily="18" charset="0"/>
-              <a:cs typeface="Times New Roman" panose="02020603050405020304" pitchFamily="18" charset="0"/>
-            </a:endParaRPr>
           </a:p>
         </p:txBody>
       </p:sp>
@@ -15540,7 +15523,7 @@
         </p:nvSpPr>
         <p:spPr>
           <a:xfrm>
-            <a:off x="3027924" y="991261"/>
+            <a:off x="3092448" y="317233"/>
             <a:ext cx="5754696" cy="1837349"/>
           </a:xfrm>
         </p:spPr>
@@ -15552,7 +15535,7 @@
           <a:p>
             <a:pPr algn="ctr"/>
             <a:r>
-              <a:rPr lang="en-US" sz="3600">
+              <a:rPr lang="en-US" sz="3600" dirty="0">
                 <a:solidFill>
                   <a:schemeClr val="tx2"/>
                 </a:solidFill>
@@ -15580,18 +15563,18 @@
         </p:nvSpPr>
         <p:spPr>
           <a:xfrm>
-            <a:off x="3050412" y="2979336"/>
-            <a:ext cx="5709721" cy="2430864"/>
+            <a:off x="1203158" y="1993805"/>
+            <a:ext cx="9281504" cy="4384479"/>
           </a:xfrm>
         </p:spPr>
         <p:txBody>
           <a:bodyPr anchor="t">
-            <a:normAutofit/>
+            <a:noAutofit/>
           </a:bodyPr>
           <a:lstStyle/>
           <a:p>
             <a:r>
-              <a:rPr lang="en-US" sz="1100">
+              <a:rPr lang="en-US" sz="2400" dirty="0">
                 <a:solidFill>
                   <a:schemeClr val="tx2"/>
                 </a:solidFill>
@@ -15603,7 +15586,7 @@
           </a:p>
           <a:p>
             <a:r>
-              <a:rPr lang="en-US" sz="1100">
+              <a:rPr lang="en-US" sz="2400" dirty="0">
                 <a:solidFill>
                   <a:schemeClr val="tx2"/>
                 </a:solidFill>
@@ -15615,7 +15598,7 @@
           </a:p>
           <a:p>
             <a:r>
-              <a:rPr lang="en-US" sz="1100">
+              <a:rPr lang="en-US" sz="2400" dirty="0">
                 <a:solidFill>
                   <a:schemeClr val="tx2"/>
                 </a:solidFill>
@@ -15627,7 +15610,7 @@
           </a:p>
           <a:p>
             <a:r>
-              <a:rPr lang="en-US" sz="1100">
+              <a:rPr lang="en-US" sz="2400" dirty="0">
                 <a:solidFill>
                   <a:schemeClr val="tx2"/>
                 </a:solidFill>
@@ -15640,7 +15623,7 @@
           <a:p>
             <a:pPr lvl="1"/>
             <a:r>
-              <a:rPr lang="en-US" sz="1100">
+              <a:rPr lang="en-US" dirty="0">
                 <a:solidFill>
                   <a:schemeClr val="tx2"/>
                 </a:solidFill>
@@ -15653,7 +15636,7 @@
           <a:p>
             <a:pPr lvl="1"/>
             <a:r>
-              <a:rPr lang="en-US" sz="1100">
+              <a:rPr lang="en-US" dirty="0">
                 <a:solidFill>
                   <a:schemeClr val="tx2"/>
                 </a:solidFill>
@@ -15666,7 +15649,7 @@
           <a:p>
             <a:pPr lvl="1"/>
             <a:r>
-              <a:rPr lang="en-US" sz="1100">
+              <a:rPr lang="en-US" dirty="0">
                 <a:solidFill>
                   <a:schemeClr val="tx2"/>
                 </a:solidFill>
@@ -15679,14 +15662,24 @@
           <a:p>
             <a:pPr lvl="1"/>
             <a:r>
-              <a:rPr lang="en-US" sz="1100">
+              <a:rPr lang="en-US" dirty="0" err="1">
                 <a:solidFill>
                   <a:schemeClr val="tx2"/>
                 </a:solidFill>
                 <a:latin typeface="Times New Roman" panose="02020603050405020304" pitchFamily="18" charset="0"/>
                 <a:cs typeface="Times New Roman" panose="02020603050405020304" pitchFamily="18" charset="0"/>
               </a:rPr>
-              <a:t>Wix/Squarespace</a:t>
+              <a:t>Wix</a:t>
+            </a:r>
+            <a:r>
+              <a:rPr lang="en-US" dirty="0">
+                <a:solidFill>
+                  <a:schemeClr val="tx2"/>
+                </a:solidFill>
+                <a:latin typeface="Times New Roman" panose="02020603050405020304" pitchFamily="18" charset="0"/>
+                <a:cs typeface="Times New Roman" panose="02020603050405020304" pitchFamily="18" charset="0"/>
+              </a:rPr>
+              <a:t>/Squarespace</a:t>
             </a:r>
           </a:p>
         </p:txBody>
@@ -18643,7 +18636,7 @@
         </p:nvSpPr>
         <p:spPr>
           <a:xfrm>
-            <a:off x="3027924" y="991261"/>
+            <a:off x="3027924" y="317233"/>
             <a:ext cx="5754696" cy="1837349"/>
           </a:xfrm>
         </p:spPr>
@@ -18655,7 +18648,7 @@
           <a:p>
             <a:pPr algn="ctr"/>
             <a:r>
-              <a:rPr lang="en-US" sz="3600">
+              <a:rPr lang="en-US" sz="3600" dirty="0">
                 <a:solidFill>
                   <a:schemeClr val="tx2"/>
                 </a:solidFill>
@@ -18683,18 +18676,18 @@
         </p:nvSpPr>
         <p:spPr>
           <a:xfrm>
-            <a:off x="3050412" y="2979336"/>
-            <a:ext cx="5709721" cy="2430864"/>
+            <a:off x="2014430" y="2231975"/>
+            <a:ext cx="8422105" cy="4146309"/>
           </a:xfrm>
         </p:spPr>
         <p:txBody>
           <a:bodyPr anchor="t">
-            <a:normAutofit/>
+            <a:noAutofit/>
           </a:bodyPr>
           <a:lstStyle/>
           <a:p>
             <a:r>
-              <a:rPr lang="en-US" sz="1400">
+              <a:rPr lang="en-US" sz="2400" dirty="0">
                 <a:solidFill>
                   <a:schemeClr val="tx2"/>
                 </a:solidFill>
@@ -18706,7 +18699,7 @@
           </a:p>
           <a:p>
             <a:r>
-              <a:rPr lang="en-US" sz="1400">
+              <a:rPr lang="en-US" sz="2400" dirty="0">
                 <a:solidFill>
                   <a:schemeClr val="tx2"/>
                 </a:solidFill>
@@ -18718,7 +18711,7 @@
           </a:p>
           <a:p>
             <a:r>
-              <a:rPr lang="en-US" sz="1400">
+              <a:rPr lang="en-US" sz="2400" dirty="0">
                 <a:solidFill>
                   <a:schemeClr val="tx2"/>
                 </a:solidFill>
@@ -18730,7 +18723,7 @@
           </a:p>
           <a:p>
             <a:r>
-              <a:rPr lang="en-US" sz="1400">
+              <a:rPr lang="en-US" sz="2400" dirty="0">
                 <a:solidFill>
                   <a:schemeClr val="tx2"/>
                 </a:solidFill>
@@ -18743,33 +18736,33 @@
           <a:p>
             <a:pPr lvl="1"/>
             <a:r>
-              <a:rPr lang="en-US" sz="1400">
+              <a:rPr lang="en-US" dirty="0">
                 <a:solidFill>
                   <a:schemeClr val="tx2"/>
                 </a:solidFill>
                 <a:latin typeface="Times New Roman" panose="02020603050405020304" pitchFamily="18" charset="0"/>
                 <a:cs typeface="Times New Roman" panose="02020603050405020304" pitchFamily="18" charset="0"/>
               </a:rPr>
-              <a:t>Zoom Meetings</a:t>
+              <a:t>Zoom Meetings </a:t>
             </a:r>
           </a:p>
           <a:p>
             <a:pPr lvl="1"/>
             <a:r>
-              <a:rPr lang="en-US" sz="1400">
+              <a:rPr lang="en-US" dirty="0">
                 <a:solidFill>
                   <a:schemeClr val="tx2"/>
                 </a:solidFill>
                 <a:latin typeface="Times New Roman" panose="02020603050405020304" pitchFamily="18" charset="0"/>
                 <a:cs typeface="Times New Roman" panose="02020603050405020304" pitchFamily="18" charset="0"/>
               </a:rPr>
-              <a:t>MS Office</a:t>
+              <a:t>MS Office </a:t>
             </a:r>
           </a:p>
           <a:p>
             <a:pPr lvl="1"/>
             <a:r>
-              <a:rPr lang="en-US" sz="1400">
+              <a:rPr lang="en-US" dirty="0" err="1">
                 <a:solidFill>
                   <a:schemeClr val="tx2"/>
                 </a:solidFill>
@@ -18778,9 +18771,7 @@
               </a:rPr>
               <a:t>Hackerrank</a:t>
             </a:r>
-          </a:p>
-          <a:p>
-            <a:endParaRPr lang="en-US" sz="1400">
+            <a:endParaRPr lang="en-US" sz="2400" dirty="0">
               <a:solidFill>
                 <a:schemeClr val="tx2"/>
               </a:solidFill>
@@ -19957,12 +19948,12 @@
           <a:lstStyle/>
           <a:p>
             <a:r>
-              <a:rPr lang="en-US" sz="4000">
+              <a:rPr lang="en-US" sz="4000" dirty="0">
                 <a:solidFill>
                   <a:schemeClr val="tx2"/>
                 </a:solidFill>
               </a:rPr>
-              <a:t>Differences</a:t>
+              <a:t>Characteristics</a:t>
             </a:r>
           </a:p>
         </p:txBody>
@@ -22307,14 +22298,14 @@
             <p:ph idx="1"/>
             <p:extLst>
               <p:ext uri="{D42A27DB-BD31-4B8C-83A1-F6EECF244321}">
-                <p14:modId xmlns:p14="http://schemas.microsoft.com/office/powerpoint/2010/main" val="1333956109"/>
+                <p14:modId xmlns:p14="http://schemas.microsoft.com/office/powerpoint/2010/main" val="3195638985"/>
               </p:ext>
             </p:extLst>
           </p:nvPr>
         </p:nvGraphicFramePr>
         <p:xfrm>
-          <a:off x="1036320" y="2993554"/>
-          <a:ext cx="10119362" cy="2666319"/>
+          <a:off x="952750" y="1821749"/>
+          <a:ext cx="10119362" cy="4131204"/>
         </p:xfrm>
         <a:graphic>
           <a:graphicData uri="http://schemas.openxmlformats.org/drawingml/2006/table">
@@ -22367,7 +22358,7 @@
                     <a:p>
                       <a:pPr algn="ctr"/>
                       <a:r>
-                        <a:rPr lang="en-US" sz="2900"/>
+                        <a:rPr lang="en-US" sz="2900" dirty="0"/>
                         <a:t>PaaS</a:t>
                       </a:r>
                     </a:p>
@@ -22400,9 +22391,109 @@
                     <a:bodyPr/>
                     <a:lstStyle/>
                     <a:p>
+                      <a:pPr marL="457200" indent="-457200">
+                        <a:buFont typeface="Arial" panose="020B0604020202020204" pitchFamily="34" charset="0"/>
+                        <a:buChar char="•"/>
+                      </a:pPr>
                       <a:r>
-                        <a:rPr lang="en-US" sz="2900"/>
+                        <a:rPr lang="en-US" sz="2000" dirty="0"/>
                         <a:t>Hardware/server services for companies</a:t>
+                      </a:r>
+                    </a:p>
+                    <a:p>
+                      <a:pPr marL="457200" indent="-457200">
+                        <a:buFont typeface="Arial" panose="020B0604020202020204" pitchFamily="34" charset="0"/>
+                        <a:buChar char="•"/>
+                      </a:pPr>
+                      <a:r>
+                        <a:rPr lang="en-US" sz="2000" dirty="0"/>
+                        <a:t>Useful for various enterprise sizes </a:t>
+                      </a:r>
+                    </a:p>
+                    <a:p>
+                      <a:pPr marL="457200" indent="-457200">
+                        <a:buFont typeface="Arial" panose="020B0604020202020204" pitchFamily="34" charset="0"/>
+                        <a:buChar char="•"/>
+                      </a:pPr>
+                      <a:r>
+                        <a:rPr lang="en-US" sz="2000" dirty="0"/>
+                        <a:t>Multiple users can access hardware</a:t>
+                      </a:r>
+                    </a:p>
+                    <a:p>
+                      <a:pPr marL="457200" indent="-457200">
+                        <a:buFont typeface="Arial" panose="020B0604020202020204" pitchFamily="34" charset="0"/>
+                        <a:buChar char="•"/>
+                      </a:pPr>
+                      <a:endParaRPr lang="en-US" sz="2000" dirty="0"/>
+                    </a:p>
+                    <a:p>
+                      <a:pPr marL="0" indent="0">
+                        <a:buFont typeface="Arial" panose="020B0604020202020204" pitchFamily="34" charset="0"/>
+                        <a:buNone/>
+                      </a:pPr>
+                      <a:endParaRPr lang="en-US" sz="2000" dirty="0"/>
+                    </a:p>
+                    <a:p>
+                      <a:pPr marL="457200" indent="-457200">
+                        <a:buFont typeface="Arial" panose="020B0604020202020204" pitchFamily="34" charset="0"/>
+                        <a:buChar char="•"/>
+                      </a:pPr>
+                      <a:endParaRPr lang="en-US" sz="2900" dirty="0"/>
+                    </a:p>
+                    <a:p>
+                      <a:endParaRPr lang="en-US" sz="2900" dirty="0"/>
+                    </a:p>
+                  </a:txBody>
+                  <a:tcPr marL="149793" marR="149793" marT="74897" marB="74897"/>
+                </a:tc>
+                <a:tc>
+                  <a:txBody>
+                    <a:bodyPr/>
+                    <a:lstStyle/>
+                    <a:p>
+                      <a:pPr marL="457200" indent="-457200">
+                        <a:buFont typeface="Arial" panose="020B0604020202020204" pitchFamily="34" charset="0"/>
+                        <a:buChar char="•"/>
+                      </a:pPr>
+                      <a:r>
+                        <a:rPr lang="en-US" sz="2000" dirty="0"/>
+                        <a:t>Software services for </a:t>
+                      </a:r>
+                      <a:r>
+                        <a:rPr lang="en-US" sz="2000" kern="1200" dirty="0">
+                          <a:solidFill>
+                            <a:schemeClr val="dk1"/>
+                          </a:solidFill>
+                          <a:latin typeface="+mn-lt"/>
+                          <a:ea typeface="+mn-ea"/>
+                          <a:cs typeface="+mn-cs"/>
+                        </a:rPr>
+                        <a:t>developers</a:t>
+                      </a:r>
+                      <a:r>
+                        <a:rPr lang="en-US" sz="2000" dirty="0"/>
+                        <a:t> </a:t>
+                      </a:r>
+                    </a:p>
+                    <a:p>
+                      <a:pPr marL="457200" indent="-457200">
+                        <a:buFont typeface="Arial" panose="020B0604020202020204" pitchFamily="34" charset="0"/>
+                        <a:buChar char="•"/>
+                      </a:pPr>
+                      <a:r>
+                        <a:rPr lang="en-US" sz="2000" dirty="0"/>
+                        <a:t>Enables easy deployment of web apps</a:t>
+                      </a:r>
+                    </a:p>
+                    <a:p>
+                      <a:pPr marL="457200" indent="-457200">
+                        <a:buFont typeface="Arial" panose="020B0604020202020204" pitchFamily="34" charset="0"/>
+                        <a:buChar char="•"/>
+                      </a:pPr>
+                      <a:r>
+                        <a:rPr lang="en-US" sz="2000" dirty="0"/>
+                        <a:t>Numerous users can access via same development app</a:t>
                       </a:r>
                     </a:p>
                   </a:txBody>
@@ -22413,23 +22504,41 @@
                     <a:bodyPr/>
                     <a:lstStyle/>
                     <a:p>
+                      <a:pPr marL="342900" indent="-342900">
+                        <a:buFont typeface="Arial" panose="020B0604020202020204" pitchFamily="34" charset="0"/>
+                        <a:buChar char="•"/>
+                      </a:pPr>
                       <a:r>
-                        <a:rPr lang="en-US" sz="2900"/>
-                        <a:t>Software services for developers </a:t>
+                        <a:rPr lang="en-US" sz="2000" dirty="0"/>
+                        <a:t>Services developers/firms use for large consumer bases</a:t>
                       </a:r>
                     </a:p>
-                  </a:txBody>
-                  <a:tcPr marL="149793" marR="149793" marT="74897" marB="74897"/>
-                </a:tc>
-                <a:tc>
-                  <a:txBody>
-                    <a:bodyPr/>
-                    <a:lstStyle/>
                     <a:p>
+                      <a:pPr marL="342900" indent="-342900">
+                        <a:buFont typeface="Arial" panose="020B0604020202020204" pitchFamily="34" charset="0"/>
+                        <a:buChar char="•"/>
+                      </a:pPr>
                       <a:r>
-                        <a:rPr lang="en-US" sz="2900"/>
-                        <a:t>Services developers use for large consumer bases </a:t>
+                        <a:rPr lang="en-US" sz="2000" dirty="0"/>
+                        <a:t>Web access or light client app installation</a:t>
                       </a:r>
+                    </a:p>
+                    <a:p>
+                      <a:pPr marL="342900" indent="-342900">
+                        <a:buFont typeface="Arial" panose="020B0604020202020204" pitchFamily="34" charset="0"/>
+                        <a:buChar char="•"/>
+                      </a:pPr>
+                      <a:r>
+                        <a:rPr lang="en-US" sz="2000" dirty="0"/>
+                        <a:t>Single or multiple users non-responsible for app updates/maintenance</a:t>
+                      </a:r>
+                    </a:p>
+                    <a:p>
+                      <a:pPr marL="342900" indent="-342900">
+                        <a:buFont typeface="Arial" panose="020B0604020202020204" pitchFamily="34" charset="0"/>
+                        <a:buChar char="•"/>
+                      </a:pPr>
+                      <a:endParaRPr lang="en-US" sz="2000" dirty="0"/>
                     </a:p>
                   </a:txBody>
                   <a:tcPr marL="149793" marR="149793" marT="74897" marB="74897"/>
